--- a/papers/Case2016/pictures/pdf/OrientationPoster.pptx
+++ b/papers/Case2016/pictures/pdf/OrientationPoster.pptx
@@ -288,7 +288,7 @@
           <a:p>
             <a:fld id="{1C95DD57-5DBA-6048-8968-85342900AD5A}" type="datetimeFigureOut">
               <a:rPr lang="en-US" smtClean="0"/>
-              <a:t>4/20/16</a:t>
+              <a:t>4/21/16</a:t>
             </a:fld>
             <a:endParaRPr lang="en-US"/>
           </a:p>
@@ -458,7 +458,7 @@
           <a:p>
             <a:fld id="{1C95DD57-5DBA-6048-8968-85342900AD5A}" type="datetimeFigureOut">
               <a:rPr lang="en-US" smtClean="0"/>
-              <a:t>4/20/16</a:t>
+              <a:t>4/21/16</a:t>
             </a:fld>
             <a:endParaRPr lang="en-US"/>
           </a:p>
@@ -638,7 +638,7 @@
           <a:p>
             <a:fld id="{1C95DD57-5DBA-6048-8968-85342900AD5A}" type="datetimeFigureOut">
               <a:rPr lang="en-US" smtClean="0"/>
-              <a:t>4/20/16</a:t>
+              <a:t>4/21/16</a:t>
             </a:fld>
             <a:endParaRPr lang="en-US"/>
           </a:p>
@@ -808,7 +808,7 @@
           <a:p>
             <a:fld id="{1C95DD57-5DBA-6048-8968-85342900AD5A}" type="datetimeFigureOut">
               <a:rPr lang="en-US" smtClean="0"/>
-              <a:t>4/20/16</a:t>
+              <a:t>4/21/16</a:t>
             </a:fld>
             <a:endParaRPr lang="en-US"/>
           </a:p>
@@ -1054,7 +1054,7 @@
           <a:p>
             <a:fld id="{1C95DD57-5DBA-6048-8968-85342900AD5A}" type="datetimeFigureOut">
               <a:rPr lang="en-US" smtClean="0"/>
-              <a:t>4/20/16</a:t>
+              <a:t>4/21/16</a:t>
             </a:fld>
             <a:endParaRPr lang="en-US"/>
           </a:p>
@@ -1342,7 +1342,7 @@
           <a:p>
             <a:fld id="{1C95DD57-5DBA-6048-8968-85342900AD5A}" type="datetimeFigureOut">
               <a:rPr lang="en-US" smtClean="0"/>
-              <a:t>4/20/16</a:t>
+              <a:t>4/21/16</a:t>
             </a:fld>
             <a:endParaRPr lang="en-US"/>
           </a:p>
@@ -1764,7 +1764,7 @@
           <a:p>
             <a:fld id="{1C95DD57-5DBA-6048-8968-85342900AD5A}" type="datetimeFigureOut">
               <a:rPr lang="en-US" smtClean="0"/>
-              <a:t>4/20/16</a:t>
+              <a:t>4/21/16</a:t>
             </a:fld>
             <a:endParaRPr lang="en-US"/>
           </a:p>
@@ -1882,7 +1882,7 @@
           <a:p>
             <a:fld id="{1C95DD57-5DBA-6048-8968-85342900AD5A}" type="datetimeFigureOut">
               <a:rPr lang="en-US" smtClean="0"/>
-              <a:t>4/20/16</a:t>
+              <a:t>4/21/16</a:t>
             </a:fld>
             <a:endParaRPr lang="en-US"/>
           </a:p>
@@ -1977,7 +1977,7 @@
           <a:p>
             <a:fld id="{1C95DD57-5DBA-6048-8968-85342900AD5A}" type="datetimeFigureOut">
               <a:rPr lang="en-US" smtClean="0"/>
-              <a:t>4/20/16</a:t>
+              <a:t>4/21/16</a:t>
             </a:fld>
             <a:endParaRPr lang="en-US"/>
           </a:p>
@@ -2254,7 +2254,7 @@
           <a:p>
             <a:fld id="{1C95DD57-5DBA-6048-8968-85342900AD5A}" type="datetimeFigureOut">
               <a:rPr lang="en-US" smtClean="0"/>
-              <a:t>4/20/16</a:t>
+              <a:t>4/21/16</a:t>
             </a:fld>
             <a:endParaRPr lang="en-US"/>
           </a:p>
@@ -2507,7 +2507,7 @@
           <a:p>
             <a:fld id="{1C95DD57-5DBA-6048-8968-85342900AD5A}" type="datetimeFigureOut">
               <a:rPr lang="en-US" smtClean="0"/>
-              <a:t>4/20/16</a:t>
+              <a:t>4/21/16</a:t>
             </a:fld>
             <a:endParaRPr lang="en-US"/>
           </a:p>
@@ -2720,7 +2720,7 @@
           <a:p>
             <a:fld id="{1C95DD57-5DBA-6048-8968-85342900AD5A}" type="datetimeFigureOut">
               <a:rPr lang="en-US" smtClean="0"/>
-              <a:t>4/20/16</a:t>
+              <a:t>4/21/16</a:t>
             </a:fld>
             <a:endParaRPr lang="en-US"/>
           </a:p>
@@ -3427,7 +3427,7 @@
           <p:spPr>
             <a:xfrm>
               <a:off x="70366" y="892569"/>
-              <a:ext cx="723363" cy="432464"/>
+              <a:ext cx="723363" cy="327885"/>
             </a:xfrm>
             <a:prstGeom prst="rect">
               <a:avLst/>
@@ -3442,7 +3442,11 @@
             <a:p>
               <a:r>
                 <a:rPr lang="en-US" dirty="0" smtClean="0"/>
-                <a:t>t= 0</a:t>
+                <a:t>t= </a:t>
+              </a:r>
+              <a:r>
+                <a:rPr lang="en-US" dirty="0" smtClean="0"/>
+                <a:t>0 s</a:t>
               </a:r>
               <a:endParaRPr lang="en-US" dirty="0"/>
             </a:p>
@@ -3457,7 +3461,7 @@
           <p:spPr>
             <a:xfrm>
               <a:off x="2092868" y="892569"/>
-              <a:ext cx="723363" cy="432464"/>
+              <a:ext cx="723363" cy="327885"/>
             </a:xfrm>
             <a:prstGeom prst="rect">
               <a:avLst/>
@@ -3472,7 +3476,11 @@
             <a:p>
               <a:r>
                 <a:rPr lang="en-US" dirty="0" smtClean="0"/>
-                <a:t>t= 5s</a:t>
+                <a:t>t= </a:t>
+              </a:r>
+              <a:r>
+                <a:rPr lang="en-US" dirty="0" smtClean="0"/>
+                <a:t>5 s</a:t>
               </a:r>
               <a:endParaRPr lang="en-US" dirty="0"/>
             </a:p>
@@ -3487,7 +3495,7 @@
           <p:spPr>
             <a:xfrm>
               <a:off x="4357249" y="892569"/>
-              <a:ext cx="893666" cy="432464"/>
+              <a:ext cx="893666" cy="327885"/>
             </a:xfrm>
             <a:prstGeom prst="rect">
               <a:avLst/>
@@ -3502,7 +3510,15 @@
             <a:p>
               <a:r>
                 <a:rPr lang="en-US" dirty="0" smtClean="0"/>
-                <a:t>t= 15</a:t>
+                <a:t>t</a:t>
+              </a:r>
+              <a:r>
+                <a:rPr lang="en-US" smtClean="0"/>
+                <a:t>= </a:t>
+              </a:r>
+              <a:r>
+                <a:rPr lang="en-US" smtClean="0"/>
+                <a:t>15 s</a:t>
               </a:r>
               <a:endParaRPr lang="en-US" dirty="0"/>
             </a:p>

--- a/papers/Case2016/pictures/pdf/OrientationPoster.pptx
+++ b/papers/Case2016/pictures/pdf/OrientationPoster.pptx
@@ -288,7 +288,7 @@
           <a:p>
             <a:fld id="{1C95DD57-5DBA-6048-8968-85342900AD5A}" type="datetimeFigureOut">
               <a:rPr lang="en-US" smtClean="0"/>
-              <a:t>4/21/16</a:t>
+              <a:t>4/22/16</a:t>
             </a:fld>
             <a:endParaRPr lang="en-US"/>
           </a:p>
@@ -458,7 +458,7 @@
           <a:p>
             <a:fld id="{1C95DD57-5DBA-6048-8968-85342900AD5A}" type="datetimeFigureOut">
               <a:rPr lang="en-US" smtClean="0"/>
-              <a:t>4/21/16</a:t>
+              <a:t>4/22/16</a:t>
             </a:fld>
             <a:endParaRPr lang="en-US"/>
           </a:p>
@@ -638,7 +638,7 @@
           <a:p>
             <a:fld id="{1C95DD57-5DBA-6048-8968-85342900AD5A}" type="datetimeFigureOut">
               <a:rPr lang="en-US" smtClean="0"/>
-              <a:t>4/21/16</a:t>
+              <a:t>4/22/16</a:t>
             </a:fld>
             <a:endParaRPr lang="en-US"/>
           </a:p>
@@ -808,7 +808,7 @@
           <a:p>
             <a:fld id="{1C95DD57-5DBA-6048-8968-85342900AD5A}" type="datetimeFigureOut">
               <a:rPr lang="en-US" smtClean="0"/>
-              <a:t>4/21/16</a:t>
+              <a:t>4/22/16</a:t>
             </a:fld>
             <a:endParaRPr lang="en-US"/>
           </a:p>
@@ -1054,7 +1054,7 @@
           <a:p>
             <a:fld id="{1C95DD57-5DBA-6048-8968-85342900AD5A}" type="datetimeFigureOut">
               <a:rPr lang="en-US" smtClean="0"/>
-              <a:t>4/21/16</a:t>
+              <a:t>4/22/16</a:t>
             </a:fld>
             <a:endParaRPr lang="en-US"/>
           </a:p>
@@ -1342,7 +1342,7 @@
           <a:p>
             <a:fld id="{1C95DD57-5DBA-6048-8968-85342900AD5A}" type="datetimeFigureOut">
               <a:rPr lang="en-US" smtClean="0"/>
-              <a:t>4/21/16</a:t>
+              <a:t>4/22/16</a:t>
             </a:fld>
             <a:endParaRPr lang="en-US"/>
           </a:p>
@@ -1764,7 +1764,7 @@
           <a:p>
             <a:fld id="{1C95DD57-5DBA-6048-8968-85342900AD5A}" type="datetimeFigureOut">
               <a:rPr lang="en-US" smtClean="0"/>
-              <a:t>4/21/16</a:t>
+              <a:t>4/22/16</a:t>
             </a:fld>
             <a:endParaRPr lang="en-US"/>
           </a:p>
@@ -1882,7 +1882,7 @@
           <a:p>
             <a:fld id="{1C95DD57-5DBA-6048-8968-85342900AD5A}" type="datetimeFigureOut">
               <a:rPr lang="en-US" smtClean="0"/>
-              <a:t>4/21/16</a:t>
+              <a:t>4/22/16</a:t>
             </a:fld>
             <a:endParaRPr lang="en-US"/>
           </a:p>
@@ -1977,7 +1977,7 @@
           <a:p>
             <a:fld id="{1C95DD57-5DBA-6048-8968-85342900AD5A}" type="datetimeFigureOut">
               <a:rPr lang="en-US" smtClean="0"/>
-              <a:t>4/21/16</a:t>
+              <a:t>4/22/16</a:t>
             </a:fld>
             <a:endParaRPr lang="en-US"/>
           </a:p>
@@ -2254,7 +2254,7 @@
           <a:p>
             <a:fld id="{1C95DD57-5DBA-6048-8968-85342900AD5A}" type="datetimeFigureOut">
               <a:rPr lang="en-US" smtClean="0"/>
-              <a:t>4/21/16</a:t>
+              <a:t>4/22/16</a:t>
             </a:fld>
             <a:endParaRPr lang="en-US"/>
           </a:p>
@@ -2507,7 +2507,7 @@
           <a:p>
             <a:fld id="{1C95DD57-5DBA-6048-8968-85342900AD5A}" type="datetimeFigureOut">
               <a:rPr lang="en-US" smtClean="0"/>
-              <a:t>4/21/16</a:t>
+              <a:t>4/22/16</a:t>
             </a:fld>
             <a:endParaRPr lang="en-US"/>
           </a:p>
@@ -2720,7 +2720,7 @@
           <a:p>
             <a:fld id="{1C95DD57-5DBA-6048-8968-85342900AD5A}" type="datetimeFigureOut">
               <a:rPr lang="en-US" smtClean="0"/>
-              <a:t>4/21/16</a:t>
+              <a:t>4/22/16</a:t>
             </a:fld>
             <a:endParaRPr lang="en-US"/>
           </a:p>
@@ -3442,11 +3442,7 @@
             <a:p>
               <a:r>
                 <a:rPr lang="en-US" dirty="0" smtClean="0"/>
-                <a:t>t= </a:t>
-              </a:r>
-              <a:r>
-                <a:rPr lang="en-US" dirty="0" smtClean="0"/>
-                <a:t>0 s</a:t>
+                <a:t>t= 0 s</a:t>
               </a:r>
               <a:endParaRPr lang="en-US" dirty="0"/>
             </a:p>
@@ -3476,11 +3472,7 @@
             <a:p>
               <a:r>
                 <a:rPr lang="en-US" dirty="0" smtClean="0"/>
-                <a:t>t= </a:t>
-              </a:r>
-              <a:r>
-                <a:rPr lang="en-US" dirty="0" smtClean="0"/>
-                <a:t>5 s</a:t>
+                <a:t>t= 5 s</a:t>
               </a:r>
               <a:endParaRPr lang="en-US" dirty="0"/>
             </a:p>
@@ -3514,17 +3506,98 @@
               </a:r>
               <a:r>
                 <a:rPr lang="en-US" smtClean="0"/>
-                <a:t>= </a:t>
-              </a:r>
-              <a:r>
-                <a:rPr lang="en-US" smtClean="0"/>
-                <a:t>15 s</a:t>
+                <a:t>= 15 s</a:t>
               </a:r>
               <a:endParaRPr lang="en-US" dirty="0"/>
             </a:p>
           </p:txBody>
         </p:sp>
       </p:grpSp>
+      <p:sp>
+        <p:nvSpPr>
+          <p:cNvPr id="17" name="TextBox 16"/>
+          <p:cNvSpPr txBox="1"/>
+          <p:nvPr/>
+        </p:nvSpPr>
+        <p:spPr>
+          <a:xfrm>
+            <a:off x="1403368" y="-106160"/>
+            <a:ext cx="222298" cy="557402"/>
+          </a:xfrm>
+          <a:prstGeom prst="rect">
+            <a:avLst/>
+          </a:prstGeom>
+          <a:noFill/>
+        </p:spPr>
+        <p:txBody>
+          <a:bodyPr wrap="square" rtlCol="0">
+            <a:spAutoFit/>
+          </a:bodyPr>
+          <a:lstStyle/>
+          <a:p>
+            <a:r>
+              <a:rPr lang="en-US" sz="2800" b="1" i="1" dirty="0" err="1" smtClean="0">
+                <a:latin typeface="Times New Roman"/>
+                <a:cs typeface="Times New Roman"/>
+              </a:rPr>
+              <a:t>θ</a:t>
+            </a:r>
+            <a:endParaRPr lang="en-US" sz="2800" b="1" i="1" dirty="0">
+              <a:latin typeface="Times New Roman"/>
+              <a:cs typeface="Times New Roman"/>
+            </a:endParaRPr>
+          </a:p>
+        </p:txBody>
+      </p:sp>
+      <p:sp>
+        <p:nvSpPr>
+          <p:cNvPr id="29" name="Arc 28"/>
+          <p:cNvSpPr/>
+          <p:nvPr/>
+        </p:nvSpPr>
+        <p:spPr>
+          <a:xfrm>
+            <a:off x="959629" y="387290"/>
+            <a:ext cx="754915" cy="1369707"/>
+          </a:xfrm>
+          <a:prstGeom prst="arc">
+            <a:avLst>
+              <a:gd name="adj1" fmla="val 16075901"/>
+              <a:gd name="adj2" fmla="val 17408591"/>
+            </a:avLst>
+          </a:prstGeom>
+          <a:ln w="50800">
+            <a:solidFill>
+              <a:schemeClr val="tx1"/>
+            </a:solidFill>
+            <a:headEnd type="none" w="med" len="lg"/>
+            <a:tailEnd type="none" w="med" len="lg"/>
+          </a:ln>
+          <a:effectLst/>
+        </p:spPr>
+        <p:style>
+          <a:lnRef idx="2">
+            <a:schemeClr val="accent1"/>
+          </a:lnRef>
+          <a:fillRef idx="0">
+            <a:schemeClr val="accent1"/>
+          </a:fillRef>
+          <a:effectRef idx="1">
+            <a:schemeClr val="accent1"/>
+          </a:effectRef>
+          <a:fontRef idx="minor">
+            <a:schemeClr val="tx1"/>
+          </a:fontRef>
+        </p:style>
+        <p:txBody>
+          <a:bodyPr rtlCol="0" anchor="ctr"/>
+          <a:lstStyle/>
+          <a:p>
+            <a:pPr algn="ctr"/>
+            <a:endParaRPr lang="en-US"/>
+          </a:p>
+        </p:txBody>
+      </p:sp>
     </p:spTree>
     <p:extLst>
       <p:ext uri="{BB962C8B-B14F-4D97-AF65-F5344CB8AC3E}">
